--- a/HC_DB_Analyses/EIMetric1Pools.pptx
+++ b/HC_DB_Analyses/EIMetric1Pools.pptx
@@ -208,7 +208,7 @@
           <a:p>
             <a:fld id="{767DAEA1-967D-4ACD-89D4-B5AB51550092}" type="datetimeFigureOut">
               <a:rPr lang="en-US" smtClean="0"/>
-              <a:t>10/21/17</a:t>
+              <a:t>5/13/18</a:t>
             </a:fld>
             <a:endParaRPr lang="en-US"/>
           </a:p>
@@ -746,7 +746,7 @@
           <a:p>
             <a:fld id="{07CFCC3F-9C50-4357-A512-F047B52B42A6}" type="datetimeFigureOut">
               <a:rPr lang="en-US" smtClean="0"/>
-              <a:t>10/21/17</a:t>
+              <a:t>5/13/18</a:t>
             </a:fld>
             <a:endParaRPr lang="en-US"/>
           </a:p>
@@ -916,7 +916,7 @@
           <a:p>
             <a:fld id="{07CFCC3F-9C50-4357-A512-F047B52B42A6}" type="datetimeFigureOut">
               <a:rPr lang="en-US" smtClean="0"/>
-              <a:t>10/21/17</a:t>
+              <a:t>5/13/18</a:t>
             </a:fld>
             <a:endParaRPr lang="en-US"/>
           </a:p>
@@ -1096,7 +1096,7 @@
           <a:p>
             <a:fld id="{07CFCC3F-9C50-4357-A512-F047B52B42A6}" type="datetimeFigureOut">
               <a:rPr lang="en-US" smtClean="0"/>
-              <a:t>10/21/17</a:t>
+              <a:t>5/13/18</a:t>
             </a:fld>
             <a:endParaRPr lang="en-US"/>
           </a:p>
@@ -1266,7 +1266,7 @@
           <a:p>
             <a:fld id="{07CFCC3F-9C50-4357-A512-F047B52B42A6}" type="datetimeFigureOut">
               <a:rPr lang="en-US" smtClean="0"/>
-              <a:t>10/21/17</a:t>
+              <a:t>5/13/18</a:t>
             </a:fld>
             <a:endParaRPr lang="en-US"/>
           </a:p>
@@ -1512,7 +1512,7 @@
           <a:p>
             <a:fld id="{07CFCC3F-9C50-4357-A512-F047B52B42A6}" type="datetimeFigureOut">
               <a:rPr lang="en-US" smtClean="0"/>
-              <a:t>10/21/17</a:t>
+              <a:t>5/13/18</a:t>
             </a:fld>
             <a:endParaRPr lang="en-US"/>
           </a:p>
@@ -1800,7 +1800,7 @@
           <a:p>
             <a:fld id="{07CFCC3F-9C50-4357-A512-F047B52B42A6}" type="datetimeFigureOut">
               <a:rPr lang="en-US" smtClean="0"/>
-              <a:t>10/21/17</a:t>
+              <a:t>5/13/18</a:t>
             </a:fld>
             <a:endParaRPr lang="en-US"/>
           </a:p>
@@ -2227,7 +2227,7 @@
           <a:p>
             <a:fld id="{07CFCC3F-9C50-4357-A512-F047B52B42A6}" type="datetimeFigureOut">
               <a:rPr lang="en-US" smtClean="0"/>
-              <a:t>10/21/17</a:t>
+              <a:t>5/13/18</a:t>
             </a:fld>
             <a:endParaRPr lang="en-US"/>
           </a:p>
@@ -2345,7 +2345,7 @@
           <a:p>
             <a:fld id="{07CFCC3F-9C50-4357-A512-F047B52B42A6}" type="datetimeFigureOut">
               <a:rPr lang="en-US" smtClean="0"/>
-              <a:t>10/21/17</a:t>
+              <a:t>5/13/18</a:t>
             </a:fld>
             <a:endParaRPr lang="en-US"/>
           </a:p>
@@ -2440,7 +2440,7 @@
           <a:p>
             <a:fld id="{07CFCC3F-9C50-4357-A512-F047B52B42A6}" type="datetimeFigureOut">
               <a:rPr lang="en-US" smtClean="0"/>
-              <a:t>10/21/17</a:t>
+              <a:t>5/13/18</a:t>
             </a:fld>
             <a:endParaRPr lang="en-US"/>
           </a:p>
@@ -2717,7 +2717,7 @@
           <a:p>
             <a:fld id="{07CFCC3F-9C50-4357-A512-F047B52B42A6}" type="datetimeFigureOut">
               <a:rPr lang="en-US" smtClean="0"/>
-              <a:t>10/21/17</a:t>
+              <a:t>5/13/18</a:t>
             </a:fld>
             <a:endParaRPr lang="en-US"/>
           </a:p>
@@ -2970,7 +2970,7 @@
           <a:p>
             <a:fld id="{07CFCC3F-9C50-4357-A512-F047B52B42A6}" type="datetimeFigureOut">
               <a:rPr lang="en-US" smtClean="0"/>
-              <a:t>10/21/17</a:t>
+              <a:t>5/13/18</a:t>
             </a:fld>
             <a:endParaRPr lang="en-US"/>
           </a:p>
@@ -3183,7 +3183,7 @@
           <a:p>
             <a:fld id="{07CFCC3F-9C50-4357-A512-F047B52B42A6}" type="datetimeFigureOut">
               <a:rPr lang="en-US" smtClean="0"/>
-              <a:t>10/21/17</a:t>
+              <a:t>5/13/18</a:t>
             </a:fld>
             <a:endParaRPr lang="en-US"/>
           </a:p>
@@ -3558,9 +3558,69 @@
           <a:chExt cx="0" cy="0"/>
         </a:xfrm>
       </p:grpSpPr>
+      <p:sp>
+        <p:nvSpPr>
+          <p:cNvPr id="8" name="TextBox 7"/>
+          <p:cNvSpPr txBox="1"/>
+          <p:nvPr/>
+        </p:nvSpPr>
+        <p:spPr>
+          <a:xfrm>
+            <a:off x="2780506" y="-129381"/>
+            <a:ext cx="2310697" cy="846386"/>
+          </a:xfrm>
+          <a:prstGeom prst="rect">
+            <a:avLst/>
+          </a:prstGeom>
+          <a:noFill/>
+        </p:spPr>
+        <p:txBody>
+          <a:bodyPr wrap="none" rtlCol="0">
+            <a:spAutoFit/>
+          </a:bodyPr>
+          <a:lstStyle/>
+          <a:p>
+            <a:r>
+              <a:rPr lang="en-US" dirty="0" smtClean="0"/>
+              <a:t>SDprox1</a:t>
+            </a:r>
+            <a:endParaRPr lang="en-US" dirty="0"/>
+          </a:p>
+        </p:txBody>
+      </p:sp>
+      <p:sp>
+        <p:nvSpPr>
+          <p:cNvPr id="9" name="TextBox 8"/>
+          <p:cNvSpPr txBox="1"/>
+          <p:nvPr/>
+        </p:nvSpPr>
+        <p:spPr>
+          <a:xfrm>
+            <a:off x="9790906" y="-129381"/>
+            <a:ext cx="2310697" cy="846386"/>
+          </a:xfrm>
+          <a:prstGeom prst="rect">
+            <a:avLst/>
+          </a:prstGeom>
+          <a:noFill/>
+        </p:spPr>
+        <p:txBody>
+          <a:bodyPr wrap="none" rtlCol="0">
+            <a:spAutoFit/>
+          </a:bodyPr>
+          <a:lstStyle/>
+          <a:p>
+            <a:r>
+              <a:rPr lang="en-US" smtClean="0"/>
+              <a:t>SDprox2</a:t>
+            </a:r>
+            <a:endParaRPr lang="en-US"/>
+          </a:p>
+        </p:txBody>
+      </p:sp>
       <p:pic>
         <p:nvPicPr>
-          <p:cNvPr id="5" name="Picture 4"/>
+          <p:cNvPr id="2" name="Picture 1"/>
           <p:cNvPicPr>
             <a:picLocks noChangeAspect="1"/>
           </p:cNvPicPr>
@@ -3590,7 +3650,7 @@
       </p:pic>
       <p:pic>
         <p:nvPicPr>
-          <p:cNvPr id="6" name="Picture 5"/>
+          <p:cNvPr id="3" name="Picture 2"/>
           <p:cNvPicPr>
             <a:picLocks noChangeAspect="1"/>
           </p:cNvPicPr>
@@ -3598,6 +3658,36 @@
         </p:nvPicPr>
         <p:blipFill>
           <a:blip r:embed="rId4">
+            <a:extLst>
+              <a:ext uri="{28A0092B-C50C-407E-A947-70E740481C1C}">
+                <a14:useLocalDpi xmlns:a14="http://schemas.microsoft.com/office/drawing/2010/main" val="0"/>
+              </a:ext>
+            </a:extLst>
+          </a:blip>
+          <a:stretch>
+            <a:fillRect/>
+          </a:stretch>
+        </p:blipFill>
+        <p:spPr>
+          <a:xfrm>
+            <a:off x="164936" y="5750259"/>
+            <a:ext cx="6806568" cy="5067496"/>
+          </a:xfrm>
+          <a:prstGeom prst="rect">
+            <a:avLst/>
+          </a:prstGeom>
+        </p:spPr>
+      </p:pic>
+      <p:pic>
+        <p:nvPicPr>
+          <p:cNvPr id="4" name="Picture 3"/>
+          <p:cNvPicPr>
+            <a:picLocks noChangeAspect="1"/>
+          </p:cNvPicPr>
+          <p:nvPr/>
+        </p:nvPicPr>
+        <p:blipFill>
+          <a:blip r:embed="rId5">
             <a:extLst>
               <a:ext uri="{28A0092B-C50C-407E-A947-70E740481C1C}">
                 <a14:useLocalDpi xmlns:a14="http://schemas.microsoft.com/office/drawing/2010/main" val="0"/>
@@ -3620,97 +3710,7 @@
       </p:pic>
       <p:pic>
         <p:nvPicPr>
-          <p:cNvPr id="7" name="Picture 6"/>
-          <p:cNvPicPr>
-            <a:picLocks noChangeAspect="1"/>
-          </p:cNvPicPr>
-          <p:nvPr/>
-        </p:nvPicPr>
-        <p:blipFill>
-          <a:blip r:embed="rId5">
-            <a:extLst>
-              <a:ext uri="{28A0092B-C50C-407E-A947-70E740481C1C}">
-                <a14:useLocalDpi xmlns:a14="http://schemas.microsoft.com/office/drawing/2010/main" val="0"/>
-              </a:ext>
-            </a:extLst>
-          </a:blip>
-          <a:stretch>
-            <a:fillRect/>
-          </a:stretch>
-        </p:blipFill>
-        <p:spPr>
-          <a:xfrm>
-            <a:off x="164936" y="5750259"/>
-            <a:ext cx="6806568" cy="5067496"/>
-          </a:xfrm>
-          <a:prstGeom prst="rect">
-            <a:avLst/>
-          </a:prstGeom>
-        </p:spPr>
-      </p:pic>
-      <p:sp>
-        <p:nvSpPr>
-          <p:cNvPr id="8" name="TextBox 7"/>
-          <p:cNvSpPr txBox="1"/>
-          <p:nvPr/>
-        </p:nvSpPr>
-        <p:spPr>
-          <a:xfrm>
-            <a:off x="2780506" y="-129381"/>
-            <a:ext cx="2310697" cy="846386"/>
-          </a:xfrm>
-          <a:prstGeom prst="rect">
-            <a:avLst/>
-          </a:prstGeom>
-          <a:noFill/>
-        </p:spPr>
-        <p:txBody>
-          <a:bodyPr wrap="none" rtlCol="0">
-            <a:spAutoFit/>
-          </a:bodyPr>
-          <a:lstStyle/>
-          <a:p>
-            <a:r>
-              <a:rPr lang="en-US" dirty="0" smtClean="0"/>
-              <a:t>SDprox1</a:t>
-            </a:r>
-            <a:endParaRPr lang="en-US" dirty="0"/>
-          </a:p>
-        </p:txBody>
-      </p:sp>
-      <p:sp>
-        <p:nvSpPr>
-          <p:cNvPr id="9" name="TextBox 8"/>
-          <p:cNvSpPr txBox="1"/>
-          <p:nvPr/>
-        </p:nvSpPr>
-        <p:spPr>
-          <a:xfrm>
-            <a:off x="9790906" y="-129381"/>
-            <a:ext cx="2310697" cy="846386"/>
-          </a:xfrm>
-          <a:prstGeom prst="rect">
-            <a:avLst/>
-          </a:prstGeom>
-          <a:noFill/>
-        </p:spPr>
-        <p:txBody>
-          <a:bodyPr wrap="none" rtlCol="0">
-            <a:spAutoFit/>
-          </a:bodyPr>
-          <a:lstStyle/>
-          <a:p>
-            <a:r>
-              <a:rPr lang="en-US" smtClean="0"/>
-              <a:t>SDprox2</a:t>
-            </a:r>
-            <a:endParaRPr lang="en-US"/>
-          </a:p>
-        </p:txBody>
-      </p:sp>
-      <p:pic>
-        <p:nvPicPr>
-          <p:cNvPr id="10" name="Picture 9"/>
+          <p:cNvPr id="13" name="Picture 12"/>
           <p:cNvPicPr>
             <a:picLocks noChangeAspect="1"/>
           </p:cNvPicPr>
@@ -3740,7 +3740,7 @@
       </p:pic>
       <p:pic>
         <p:nvPicPr>
-          <p:cNvPr id="11" name="Picture 10"/>
+          <p:cNvPr id="14" name="Picture 13"/>
           <p:cNvPicPr>
             <a:picLocks noChangeAspect="1"/>
           </p:cNvPicPr>
@@ -3760,7 +3760,7 @@
         </p:blipFill>
         <p:spPr>
           <a:xfrm>
-            <a:off x="6971504" y="5750259"/>
+            <a:off x="6971504" y="5750258"/>
             <a:ext cx="6806568" cy="5067496"/>
           </a:xfrm>
           <a:prstGeom prst="rect">
@@ -3770,7 +3770,7 @@
       </p:pic>
       <p:pic>
         <p:nvPicPr>
-          <p:cNvPr id="12" name="Picture 11"/>
+          <p:cNvPr id="15" name="Picture 14"/>
           <p:cNvPicPr>
             <a:picLocks noChangeAspect="1"/>
           </p:cNvPicPr>
@@ -3790,8 +3790,8 @@
         </p:blipFill>
         <p:spPr>
           <a:xfrm>
-            <a:off x="6971504" y="10817755"/>
-            <a:ext cx="6898705" cy="5067496"/>
+            <a:off x="6971504" y="10852573"/>
+            <a:ext cx="6806568" cy="4999816"/>
           </a:xfrm>
           <a:prstGeom prst="rect">
             <a:avLst/>
